--- a/weeks/week06/Practise_Day1.pptx
+++ b/weeks/week06/Practise_Day1.pptx
@@ -297,7 +297,7 @@
           <a:p>
             <a:fld id="{E54EB8CB-13A6-A648-94B8-4BA874F55980}" type="datetimeFigureOut">
               <a:rPr lang="en-US" smtClean="0"/>
-              <a:t>2/9/16</a:t>
+              <a:t>2/10/16</a:t>
             </a:fld>
             <a:endParaRPr lang="en-US"/>
           </a:p>
@@ -467,7 +467,7 @@
           <a:p>
             <a:fld id="{E54EB8CB-13A6-A648-94B8-4BA874F55980}" type="datetimeFigureOut">
               <a:rPr lang="en-US" smtClean="0"/>
-              <a:t>2/9/16</a:t>
+              <a:t>2/10/16</a:t>
             </a:fld>
             <a:endParaRPr lang="en-US"/>
           </a:p>
@@ -647,7 +647,7 @@
           <a:p>
             <a:fld id="{E54EB8CB-13A6-A648-94B8-4BA874F55980}" type="datetimeFigureOut">
               <a:rPr lang="en-US" smtClean="0"/>
-              <a:t>2/9/16</a:t>
+              <a:t>2/10/16</a:t>
             </a:fld>
             <a:endParaRPr lang="en-US"/>
           </a:p>
@@ -817,7 +817,7 @@
           <a:p>
             <a:fld id="{E54EB8CB-13A6-A648-94B8-4BA874F55980}" type="datetimeFigureOut">
               <a:rPr lang="en-US" smtClean="0"/>
-              <a:t>2/9/16</a:t>
+              <a:t>2/10/16</a:t>
             </a:fld>
             <a:endParaRPr lang="en-US"/>
           </a:p>
@@ -1063,7 +1063,7 @@
           <a:p>
             <a:fld id="{E54EB8CB-13A6-A648-94B8-4BA874F55980}" type="datetimeFigureOut">
               <a:rPr lang="en-US" smtClean="0"/>
-              <a:t>2/9/16</a:t>
+              <a:t>2/10/16</a:t>
             </a:fld>
             <a:endParaRPr lang="en-US"/>
           </a:p>
@@ -1351,7 +1351,7 @@
           <a:p>
             <a:fld id="{E54EB8CB-13A6-A648-94B8-4BA874F55980}" type="datetimeFigureOut">
               <a:rPr lang="en-US" smtClean="0"/>
-              <a:t>2/9/16</a:t>
+              <a:t>2/10/16</a:t>
             </a:fld>
             <a:endParaRPr lang="en-US"/>
           </a:p>
@@ -1773,7 +1773,7 @@
           <a:p>
             <a:fld id="{E54EB8CB-13A6-A648-94B8-4BA874F55980}" type="datetimeFigureOut">
               <a:rPr lang="en-US" smtClean="0"/>
-              <a:t>2/9/16</a:t>
+              <a:t>2/10/16</a:t>
             </a:fld>
             <a:endParaRPr lang="en-US"/>
           </a:p>
@@ -1891,7 +1891,7 @@
           <a:p>
             <a:fld id="{E54EB8CB-13A6-A648-94B8-4BA874F55980}" type="datetimeFigureOut">
               <a:rPr lang="en-US" smtClean="0"/>
-              <a:t>2/9/16</a:t>
+              <a:t>2/10/16</a:t>
             </a:fld>
             <a:endParaRPr lang="en-US"/>
           </a:p>
@@ -1986,7 +1986,7 @@
           <a:p>
             <a:fld id="{E54EB8CB-13A6-A648-94B8-4BA874F55980}" type="datetimeFigureOut">
               <a:rPr lang="en-US" smtClean="0"/>
-              <a:t>2/9/16</a:t>
+              <a:t>2/10/16</a:t>
             </a:fld>
             <a:endParaRPr lang="en-US"/>
           </a:p>
@@ -2263,7 +2263,7 @@
           <a:p>
             <a:fld id="{E54EB8CB-13A6-A648-94B8-4BA874F55980}" type="datetimeFigureOut">
               <a:rPr lang="en-US" smtClean="0"/>
-              <a:t>2/9/16</a:t>
+              <a:t>2/10/16</a:t>
             </a:fld>
             <a:endParaRPr lang="en-US"/>
           </a:p>
@@ -2516,7 +2516,7 @@
           <a:p>
             <a:fld id="{E54EB8CB-13A6-A648-94B8-4BA874F55980}" type="datetimeFigureOut">
               <a:rPr lang="en-US" smtClean="0"/>
-              <a:t>2/9/16</a:t>
+              <a:t>2/10/16</a:t>
             </a:fld>
             <a:endParaRPr lang="en-US"/>
           </a:p>
@@ -2731,7 +2731,7 @@
             <a:fld id="{E54EB8CB-13A6-A648-94B8-4BA874F55980}" type="datetimeFigureOut">
               <a:rPr lang="en-US" smtClean="0"/>
               <a:pPr/>
-              <a:t>2/9/16</a:t>
+              <a:t>2/10/16</a:t>
             </a:fld>
             <a:endParaRPr lang="en-US" dirty="0"/>
           </a:p>
@@ -3155,7 +3155,7 @@
         </p:spPr>
         <p:txBody>
           <a:bodyPr>
-            <a:normAutofit fontScale="62500" lnSpcReduction="20000"/>
+            <a:normAutofit fontScale="70000" lnSpcReduction="20000"/>
           </a:bodyPr>
           <a:lstStyle/>
           <a:p>
@@ -3194,7 +3194,15 @@
                   <a:srgbClr val="3366FF"/>
                 </a:solidFill>
               </a:rPr>
-              <a:t> –p </a:t>
+              <a:t> –p /oasis/</a:t>
+            </a:r>
+            <a:r>
+              <a:rPr lang="en-US" b="1" dirty="0" err="1" smtClean="0">
+                <a:solidFill>
+                  <a:srgbClr val="3366FF"/>
+                </a:solidFill>
+              </a:rPr>
+              <a:t>tscc</a:t>
             </a:r>
             <a:r>
               <a:rPr lang="en-US" b="1" dirty="0" smtClean="0">
@@ -3202,6 +3210,49 @@
                   <a:srgbClr val="3366FF"/>
                 </a:solidFill>
               </a:rPr>
+              <a:t>/scratch/</a:t>
+            </a:r>
+            <a:r>
+              <a:rPr lang="en-US" b="1" dirty="0" smtClean="0">
+                <a:solidFill>
+                  <a:srgbClr val="FF0000"/>
+                </a:solidFill>
+              </a:rPr>
+              <a:t>username</a:t>
+            </a:r>
+            <a:r>
+              <a:rPr lang="en-US" b="1" dirty="0" smtClean="0">
+                <a:solidFill>
+                  <a:srgbClr val="3366FF"/>
+                </a:solidFill>
+              </a:rPr>
+              <a:t>/biom262_harismendy</a:t>
+            </a:r>
+          </a:p>
+          <a:p>
+            <a:pPr lvl="1"/>
+            <a:r>
+              <a:rPr lang="en-US" b="1" dirty="0">
+                <a:solidFill>
+                  <a:srgbClr val="3366FF"/>
+                </a:solidFill>
+              </a:rPr>
+              <a:t>c</a:t>
+            </a:r>
+            <a:r>
+              <a:rPr lang="en-US" b="1" dirty="0" smtClean="0">
+                <a:solidFill>
+                  <a:srgbClr val="3366FF"/>
+                </a:solidFill>
+              </a:rPr>
+              <a:t>d </a:t>
+            </a:r>
+            <a:r>
+              <a:rPr lang="en-US" b="1" dirty="0">
+                <a:solidFill>
+                  <a:srgbClr val="3366FF"/>
+                </a:solidFill>
+              </a:rPr>
               <a:t>/oasis/</a:t>
             </a:r>
             <a:r>
@@ -3221,47 +3272,81 @@
               <a:t>/</a:t>
             </a:r>
             <a:r>
+              <a:rPr lang="en-US" b="1" dirty="0">
+                <a:solidFill>
+                  <a:srgbClr val="3366FF"/>
+                </a:solidFill>
+              </a:rPr>
+              <a:t>scratch/</a:t>
+            </a:r>
+            <a:r>
+              <a:rPr lang="en-US" b="1" dirty="0">
+                <a:solidFill>
+                  <a:srgbClr val="FF0000"/>
+                </a:solidFill>
+              </a:rPr>
+              <a:t>username</a:t>
+            </a:r>
+            <a:r>
+              <a:rPr lang="en-US" b="1" dirty="0">
+                <a:solidFill>
+                  <a:srgbClr val="3366FF"/>
+                </a:solidFill>
+              </a:rPr>
+              <a:t>/</a:t>
+            </a:r>
+            <a:r>
               <a:rPr lang="en-US" b="1" dirty="0" smtClean="0">
                 <a:solidFill>
                   <a:srgbClr val="3366FF"/>
                 </a:solidFill>
               </a:rPr>
-              <a:t>scratch/</a:t>
-            </a:r>
-            <a:r>
-              <a:rPr lang="en-US" b="1" dirty="0" smtClean="0">
-                <a:solidFill>
-                  <a:srgbClr val="FF0000"/>
-                </a:solidFill>
-              </a:rPr>
-              <a:t>username</a:t>
-            </a:r>
-            <a:r>
-              <a:rPr lang="en-US" b="1" dirty="0" smtClean="0">
+              <a:t>biom262_harismendy</a:t>
+            </a:r>
+          </a:p>
+          <a:p>
+            <a:endParaRPr lang="en-US" dirty="0" smtClean="0"/>
+          </a:p>
+          <a:p>
+            <a:r>
+              <a:rPr lang="en-US" dirty="0" smtClean="0"/>
+              <a:t>Make </a:t>
+            </a:r>
+            <a:r>
+              <a:rPr lang="en-US" dirty="0"/>
+              <a:t>symbolic link to data </a:t>
+            </a:r>
+            <a:r>
+              <a:rPr lang="en-US" dirty="0" smtClean="0"/>
+              <a:t>folder</a:t>
+            </a:r>
+            <a:endParaRPr lang="en-US" dirty="0"/>
+          </a:p>
+          <a:p>
+            <a:pPr lvl="1"/>
+            <a:r>
+              <a:rPr lang="en-US" b="1" dirty="0" err="1">
                 <a:solidFill>
                   <a:srgbClr val="3366FF"/>
                 </a:solidFill>
               </a:rPr>
-              <a:t>/biom262_harismendy</a:t>
-            </a:r>
-          </a:p>
-          <a:p>
-            <a:pPr lvl="1"/>
+              <a:t>ln</a:t>
+            </a:r>
             <a:r>
               <a:rPr lang="en-US" b="1" dirty="0">
                 <a:solidFill>
                   <a:srgbClr val="3366FF"/>
                 </a:solidFill>
               </a:rPr>
-              <a:t>c</a:t>
-            </a:r>
-            <a:r>
-              <a:rPr lang="en-US" b="1" dirty="0" smtClean="0">
+              <a:t> -s /projects/</a:t>
+            </a:r>
+            <a:r>
+              <a:rPr lang="en-US" b="1" dirty="0" err="1">
                 <a:solidFill>
                   <a:srgbClr val="3366FF"/>
                 </a:solidFill>
               </a:rPr>
-              <a:t>d </a:t>
+              <a:t>ps-yeolab</a:t>
             </a:r>
             <a:r>
               <a:rPr lang="en-US" b="1" dirty="0">
@@ -3269,39 +3354,15 @@
                   <a:srgbClr val="3366FF"/>
                 </a:solidFill>
               </a:rPr>
-              <a:t>/oasis/</a:t>
-            </a:r>
-            <a:r>
-              <a:rPr lang="en-US" b="1" dirty="0" err="1">
+              <a:t>/biom262_2016/data/ </a:t>
+            </a:r>
+            <a:r>
+              <a:rPr lang="en-US" b="1" dirty="0" err="1" smtClean="0">
                 <a:solidFill>
                   <a:srgbClr val="3366FF"/>
                 </a:solidFill>
               </a:rPr>
-              <a:t>tscc</a:t>
-            </a:r>
-            <a:r>
-              <a:rPr lang="en-US" b="1" dirty="0">
-                <a:solidFill>
-                  <a:srgbClr val="3366FF"/>
-                </a:solidFill>
-              </a:rPr>
-              <a:t>/</a:t>
-            </a:r>
-            <a:r>
-              <a:rPr lang="en-US" b="1" dirty="0" smtClean="0">
-                <a:solidFill>
-                  <a:srgbClr val="3366FF"/>
-                </a:solidFill>
-              </a:rPr>
-              <a:t>scratch/</a:t>
-            </a:r>
-            <a:r>
-              <a:rPr lang="en-US" b="1" dirty="0">
-                <a:solidFill>
-                  <a:srgbClr val="3366FF"/>
-                </a:solidFill>
-              </a:rPr>
-              <a:t>scratch/username/biom262_harismendy</a:t>
+              <a:t>harismendy_data</a:t>
             </a:r>
             <a:endParaRPr lang="en-US" b="1" dirty="0" smtClean="0">
               <a:solidFill>
@@ -3310,80 +3371,13 @@
             </a:endParaRPr>
           </a:p>
           <a:p>
-            <a:endParaRPr lang="en-US" dirty="0" smtClean="0"/>
+            <a:endParaRPr lang="en-US" dirty="0"/>
           </a:p>
           <a:p>
             <a:r>
               <a:rPr lang="en-US" dirty="0" smtClean="0"/>
-              <a:t>Make </a:t>
-            </a:r>
-            <a:r>
-              <a:rPr lang="en-US" dirty="0"/>
-              <a:t>symbolic link to data </a:t>
-            </a:r>
-            <a:r>
-              <a:rPr lang="en-US" dirty="0" smtClean="0"/>
-              <a:t>folder</a:t>
-            </a:r>
-            <a:endParaRPr lang="en-US" dirty="0"/>
-          </a:p>
-          <a:p>
-            <a:pPr lvl="1"/>
-            <a:r>
-              <a:rPr lang="en-US" b="1" dirty="0" err="1">
-                <a:solidFill>
-                  <a:srgbClr val="3366FF"/>
-                </a:solidFill>
-              </a:rPr>
-              <a:t>ln</a:t>
-            </a:r>
-            <a:r>
-              <a:rPr lang="en-US" b="1" dirty="0">
-                <a:solidFill>
-                  <a:srgbClr val="3366FF"/>
-                </a:solidFill>
-              </a:rPr>
-              <a:t> -s /projects/</a:t>
-            </a:r>
-            <a:r>
-              <a:rPr lang="en-US" b="1" dirty="0" err="1">
-                <a:solidFill>
-                  <a:srgbClr val="3366FF"/>
-                </a:solidFill>
-              </a:rPr>
-              <a:t>ps-yeolab</a:t>
-            </a:r>
-            <a:r>
-              <a:rPr lang="en-US" b="1" dirty="0">
-                <a:solidFill>
-                  <a:srgbClr val="3366FF"/>
-                </a:solidFill>
-              </a:rPr>
-              <a:t>/biom262_2016/data/ data</a:t>
-            </a:r>
-            <a:endParaRPr lang="en-US" b="1" dirty="0" smtClean="0">
-              <a:solidFill>
-                <a:srgbClr val="3366FF"/>
-              </a:solidFill>
-            </a:endParaRPr>
-          </a:p>
-          <a:p>
-            <a:endParaRPr lang="en-US" dirty="0"/>
-          </a:p>
-          <a:p>
-            <a:r>
-              <a:rPr lang="en-US" dirty="0" smtClean="0"/>
-              <a:t>Adjust your </a:t>
-            </a:r>
-            <a:r>
-              <a:rPr lang="en-US" dirty="0"/>
-              <a:t>e</a:t>
-            </a:r>
-            <a:r>
-              <a:rPr lang="en-US" dirty="0" smtClean="0"/>
-              <a:t>nvironment</a:t>
-            </a:r>
-            <a:endParaRPr lang="en-US" dirty="0" smtClean="0"/>
+              <a:t>Adjust your environment to have access to tools</a:t>
+            </a:r>
           </a:p>
           <a:p>
             <a:pPr lvl="1"/>
@@ -3408,61 +3402,6 @@
                 <a:srgbClr val="FF0000"/>
               </a:solidFill>
             </a:endParaRPr>
-          </a:p>
-          <a:p>
-            <a:pPr marL="0" indent="0">
-              <a:buNone/>
-            </a:pPr>
-            <a:endParaRPr lang="en-US" dirty="0"/>
-          </a:p>
-          <a:p>
-            <a:r>
-              <a:rPr lang="en-US" dirty="0" smtClean="0"/>
-              <a:t>Start interactive node</a:t>
-            </a:r>
-          </a:p>
-          <a:p>
-            <a:pPr lvl="1"/>
-            <a:r>
-              <a:rPr lang="en-US" b="1" dirty="0" err="1">
-                <a:solidFill>
-                  <a:srgbClr val="3366FF"/>
-                </a:solidFill>
-              </a:rPr>
-              <a:t>qsub</a:t>
-            </a:r>
-            <a:r>
-              <a:rPr lang="en-US" b="1" dirty="0">
-                <a:solidFill>
-                  <a:srgbClr val="3366FF"/>
-                </a:solidFill>
-              </a:rPr>
-              <a:t> -I -l nodes=2:ppn=1 -l </a:t>
-            </a:r>
-            <a:r>
-              <a:rPr lang="en-US" b="1" dirty="0" err="1" smtClean="0">
-                <a:solidFill>
-                  <a:srgbClr val="3366FF"/>
-                </a:solidFill>
-              </a:rPr>
-              <a:t>walltime</a:t>
-            </a:r>
-            <a:r>
-              <a:rPr lang="en-US" b="1" dirty="0">
-                <a:solidFill>
-                  <a:srgbClr val="3366FF"/>
-                </a:solidFill>
-              </a:rPr>
-              <a:t>=</a:t>
-            </a:r>
-            <a:r>
-              <a:rPr lang="en-US" b="1" dirty="0" smtClean="0">
-                <a:solidFill>
-                  <a:srgbClr val="3366FF"/>
-                </a:solidFill>
-              </a:rPr>
-              <a:t>04:00:00</a:t>
-            </a:r>
           </a:p>
           <a:p>
             <a:pPr lvl="1"/>
@@ -3547,6 +3486,13 @@
   <p:clrMapOvr>
     <a:masterClrMapping/>
   </p:clrMapOvr>
+  <p:timing>
+    <p:tnLst>
+      <p:par>
+        <p:cTn xmlns:p14="http://schemas.microsoft.com/office/powerpoint/2010/main" id="1" dur="indefinite" restart="never" nodeType="tmRoot"/>
+      </p:par>
+    </p:tnLst>
+  </p:timing>
 </p:sld>
 </file>
 
@@ -3690,15 +3636,23 @@
                   <a:srgbClr val="0000FF"/>
                 </a:solidFill>
               </a:rPr>
-              <a:t>BAIT_INTERVALS=</a:t>
+              <a:t>BAIT_INTERVALS</a:t>
             </a:r>
             <a:r>
               <a:rPr lang="en-US" sz="2000" b="1" dirty="0" smtClean="0">
                 <a:solidFill>
+                  <a:srgbClr val="0000FF"/>
+                </a:solidFill>
+              </a:rPr>
+              <a:t>=</a:t>
+            </a:r>
+            <a:r>
+              <a:rPr lang="en-US" sz="2000" b="1" dirty="0" err="1" smtClean="0">
+                <a:solidFill>
                   <a:srgbClr val="FF0000"/>
                 </a:solidFill>
               </a:rPr>
-              <a:t>data</a:t>
+              <a:t>harismendy_data</a:t>
             </a:r>
             <a:r>
               <a:rPr lang="en-US" sz="2000" b="1" dirty="0">
@@ -3706,7 +3660,23 @@
                   <a:srgbClr val="FF0000"/>
                 </a:solidFill>
               </a:rPr>
-              <a:t>/resource</a:t>
+              <a:t>/</a:t>
+            </a:r>
+            <a:r>
+              <a:rPr lang="en-US" sz="2000" b="1" dirty="0" smtClean="0">
+                <a:solidFill>
+                  <a:srgbClr val="FF0000"/>
+                </a:solidFill>
+              </a:rPr>
+              <a:t>resources</a:t>
+            </a:r>
+            <a:r>
+              <a:rPr lang="en-US" sz="2000" b="1" dirty="0" smtClean="0">
+                <a:solidFill>
+                  <a:srgbClr val="0000FF"/>
+                </a:solidFill>
+              </a:rPr>
+              <a:t>/</a:t>
             </a:r>
             <a:r>
               <a:rPr lang="en-US" sz="2000" b="1" dirty="0">
@@ -3714,7 +3684,7 @@
                   <a:srgbClr val="0000FF"/>
                 </a:solidFill>
               </a:rPr>
-              <a:t>/humanV4-baits_hg19_lite.interval_list </a:t>
+              <a:t>humanV4-baits_hg19_lite.interval_list </a:t>
             </a:r>
             <a:r>
               <a:rPr lang="en-US" sz="2000" b="1" dirty="0" smtClean="0">
@@ -3722,19 +3692,43 @@
                   <a:srgbClr val="0000FF"/>
                 </a:solidFill>
               </a:rPr>
-              <a:t>TARGET_INTERVALS=</a:t>
+              <a:t>TARGET_INTERVALS</a:t>
             </a:r>
             <a:r>
               <a:rPr lang="en-US" sz="2000" b="1" dirty="0" smtClean="0">
                 <a:solidFill>
+                  <a:srgbClr val="0000FF"/>
+                </a:solidFill>
+              </a:rPr>
+              <a:t>=</a:t>
+            </a:r>
+            <a:r>
+              <a:rPr lang="en-US" sz="2000" b="1" dirty="0" err="1">
+                <a:solidFill>
                   <a:srgbClr val="FF0000"/>
                 </a:solidFill>
               </a:rPr>
-              <a:t>data/resource</a:t>
+              <a:t>harismendy_data</a:t>
+            </a:r>
+            <a:r>
+              <a:rPr lang="en-US" sz="2000" b="1" dirty="0">
+                <a:solidFill>
+                  <a:srgbClr val="FF0000"/>
+                </a:solidFill>
+              </a:rPr>
+              <a:t>/resources/</a:t>
             </a:r>
             <a:r>
               <a:rPr lang="en-US" sz="2000" b="1" dirty="0" smtClean="0">
                 <a:solidFill>
+                  <a:srgbClr val="FF0000"/>
+                </a:solidFill>
+              </a:rPr>
+              <a:t>resource</a:t>
+            </a:r>
+            <a:r>
+              <a:rPr lang="en-US" sz="2000" b="1" dirty="0" smtClean="0">
+                <a:solidFill>
                   <a:srgbClr val="0000FF"/>
                 </a:solidFill>
               </a:rPr>
@@ -3757,28 +3751,28 @@
               <a:t>=</a:t>
             </a:r>
             <a:r>
-              <a:rPr lang="en-US" sz="2000" b="1" dirty="0" err="1" smtClean="0">
+              <a:rPr lang="en-US" sz="2000" b="1" dirty="0" err="1">
                 <a:solidFill>
                   <a:srgbClr val="FF0000"/>
                 </a:solidFill>
               </a:rPr>
-              <a:t>sample</a:t>
-            </a:r>
-            <a:r>
-              <a:rPr lang="en-US" sz="2000" b="1" dirty="0" err="1" smtClean="0">
-                <a:solidFill>
-                  <a:srgbClr val="0000FF"/>
-                </a:solidFill>
-              </a:rPr>
-              <a:t>.sorted.bam</a:t>
+              <a:t>harismendy_data</a:t>
             </a:r>
             <a:r>
               <a:rPr lang="en-US" sz="2000" b="1" dirty="0" smtClean="0">
                 <a:solidFill>
-                  <a:srgbClr val="0000FF"/>
-                </a:solidFill>
-              </a:rPr>
-              <a:t> </a:t>
+                  <a:srgbClr val="FF0000"/>
+                </a:solidFill>
+              </a:rPr>
+              <a:t>/class/P21</a:t>
+            </a:r>
+            <a:r>
+              <a:rPr lang="en-US" sz="2000" b="1" dirty="0" smtClean="0">
+                <a:solidFill>
+                  <a:srgbClr val="0000FF"/>
+                </a:solidFill>
+              </a:rPr>
+              <a:t>.sorted.bam </a:t>
             </a:r>
             <a:r>
               <a:rPr lang="en-US" sz="2000" b="1" dirty="0">
@@ -3797,15 +3791,15 @@
               <a:t>=</a:t>
             </a:r>
             <a:r>
-              <a:rPr lang="en-US" sz="2000" b="1" dirty="0" err="1" smtClean="0">
+              <a:rPr lang="en-US" sz="2000" b="1" dirty="0" smtClean="0">
                 <a:solidFill>
                   <a:srgbClr val="FF0000"/>
                 </a:solidFill>
               </a:rPr>
-              <a:t>sample</a:t>
-            </a:r>
-            <a:r>
-              <a:rPr lang="en-US" sz="2000" b="1" dirty="0" err="1" smtClean="0">
+              <a:t>P21</a:t>
+            </a:r>
+            <a:r>
+              <a:rPr lang="en-US" sz="2000" b="1" dirty="0" smtClean="0">
                 <a:solidFill>
                   <a:srgbClr val="0000FF"/>
                 </a:solidFill>
@@ -3893,7 +3887,7 @@
         <p:spPr/>
         <p:txBody>
           <a:bodyPr>
-            <a:normAutofit fontScale="70000" lnSpcReduction="20000"/>
+            <a:normAutofit fontScale="92500" lnSpcReduction="20000"/>
           </a:bodyPr>
           <a:lstStyle/>
           <a:p>
@@ -3933,7 +3927,7 @@
           <a:p>
             <a:r>
               <a:rPr lang="en-US" dirty="0" smtClean="0"/>
-              <a:t>Select lines with STRING</a:t>
+              <a:t>Select lines with “TP53”</a:t>
             </a:r>
           </a:p>
           <a:p>
@@ -3952,7 +3946,7 @@
                   <a:srgbClr val="3366FF"/>
                 </a:solidFill>
               </a:rPr>
-              <a:t> ‘KRAS’ </a:t>
+              <a:t> ‘TP53’ </a:t>
             </a:r>
             <a:r>
               <a:rPr lang="en-US" dirty="0" err="1" smtClean="0">
@@ -3967,7 +3961,7 @@
           <a:p>
             <a:r>
               <a:rPr lang="en-US" dirty="0" smtClean="0"/>
-              <a:t>Sort according to column n</a:t>
+              <a:t>Sort according to column 4</a:t>
             </a:r>
           </a:p>
           <a:p>
@@ -3986,7 +3980,7 @@
                   <a:srgbClr val="3366FF"/>
                 </a:solidFill>
               </a:rPr>
-              <a:t>ort –k 5 </a:t>
+              <a:t>ort –k 4 </a:t>
             </a:r>
             <a:r>
               <a:rPr lang="en-US" dirty="0" err="1" smtClean="0">
@@ -4001,7 +3995,7 @@
           <a:p>
             <a:r>
               <a:rPr lang="en-US" dirty="0" smtClean="0"/>
-              <a:t>Select rows with column 3 &gt; 1000</a:t>
+              <a:t>Select genes on chromosome 1</a:t>
             </a:r>
           </a:p>
           <a:p>
@@ -4012,7 +4006,7 @@
                   <a:srgbClr val="3366FF"/>
                 </a:solidFill>
               </a:rPr>
-              <a:t>Awk</a:t>
+              <a:t>awk</a:t>
             </a:r>
             <a:r>
               <a:rPr lang="en-US" dirty="0" smtClean="0">
@@ -4020,7 +4014,7 @@
                   <a:srgbClr val="3366FF"/>
                 </a:solidFill>
               </a:rPr>
-              <a:t> ‘$3&gt;1000’ </a:t>
+              <a:t> ‘$1==“chr1”’ </a:t>
             </a:r>
             <a:r>
               <a:rPr lang="en-US" dirty="0" err="1" smtClean="0">
@@ -4028,7 +4022,7 @@
                   <a:srgbClr val="3366FF"/>
                 </a:solidFill>
               </a:rPr>
-              <a:t>file.txt</a:t>
+              <a:t>TSG.bed</a:t>
             </a:r>
             <a:endParaRPr lang="en-US" dirty="0" smtClean="0">
               <a:solidFill>
@@ -4039,7 +4033,7 @@
           <a:p>
             <a:r>
               <a:rPr lang="en-US" dirty="0" smtClean="0"/>
-              <a:t>Select rows with column 1 = “chr1”</a:t>
+              <a:t>Calculate gene length</a:t>
             </a:r>
           </a:p>
           <a:p>
@@ -4050,7 +4044,7 @@
                   <a:srgbClr val="3366FF"/>
                 </a:solidFill>
               </a:rPr>
-              <a:t>Awk</a:t>
+              <a:t>awk</a:t>
             </a:r>
             <a:r>
               <a:rPr lang="en-US" dirty="0" smtClean="0">
@@ -4058,120 +4052,37 @@
                   <a:srgbClr val="3366FF"/>
                 </a:solidFill>
               </a:rPr>
-              <a:t> ‘$1~“chr1”’ </a:t>
-            </a:r>
-            <a:r>
-              <a:rPr lang="en-US" dirty="0" err="1" smtClean="0">
+              <a:t> ‘$5=$3-$2</a:t>
+            </a:r>
+            <a:r>
+              <a:rPr lang="en-US" dirty="0">
                 <a:solidFill>
                   <a:srgbClr val="3366FF"/>
                 </a:solidFill>
               </a:rPr>
-              <a:t>file.txt</a:t>
-            </a:r>
+              <a:t>’ </a:t>
+            </a:r>
+            <a:r>
+              <a:rPr lang="en-US" dirty="0" err="1">
+                <a:solidFill>
+                  <a:srgbClr val="3366FF"/>
+                </a:solidFill>
+              </a:rPr>
+              <a:t>TSG.bed</a:t>
+            </a:r>
+            <a:endParaRPr lang="en-US" dirty="0">
+              <a:solidFill>
+                <a:srgbClr val="3366FF"/>
+              </a:solidFill>
+            </a:endParaRPr>
+          </a:p>
+          <a:p>
+            <a:pPr lvl="1"/>
             <a:endParaRPr lang="en-US" dirty="0" smtClean="0">
               <a:solidFill>
                 <a:srgbClr val="3366FF"/>
               </a:solidFill>
             </a:endParaRPr>
-          </a:p>
-          <a:p>
-            <a:r>
-              <a:rPr lang="en-US" dirty="0" smtClean="0"/>
-              <a:t>Sum up column 3</a:t>
-            </a:r>
-          </a:p>
-          <a:p>
-            <a:pPr lvl="1"/>
-            <a:r>
-              <a:rPr lang="en-US" dirty="0" err="1" smtClean="0">
-                <a:solidFill>
-                  <a:srgbClr val="3366FF"/>
-                </a:solidFill>
-              </a:rPr>
-              <a:t>Awk</a:t>
-            </a:r>
-            <a:r>
-              <a:rPr lang="en-US" dirty="0" smtClean="0">
-                <a:solidFill>
-                  <a:srgbClr val="3366FF"/>
-                </a:solidFill>
-              </a:rPr>
-              <a:t> ‘{sum=sum+$3} END {print sum}’ </a:t>
-            </a:r>
-            <a:r>
-              <a:rPr lang="en-US" dirty="0" err="1" smtClean="0">
-                <a:solidFill>
-                  <a:srgbClr val="3366FF"/>
-                </a:solidFill>
-              </a:rPr>
-              <a:t>file.txt</a:t>
-            </a:r>
-            <a:endParaRPr lang="en-US" dirty="0" smtClean="0">
-              <a:solidFill>
-                <a:srgbClr val="3366FF"/>
-              </a:solidFill>
-            </a:endParaRPr>
-          </a:p>
-          <a:p>
-            <a:r>
-              <a:rPr lang="en-US" dirty="0" smtClean="0"/>
-              <a:t>Count </a:t>
-            </a:r>
-            <a:r>
-              <a:rPr lang="en-US" dirty="0"/>
-              <a:t>number of unique features in column 3</a:t>
-            </a:r>
-          </a:p>
-          <a:p>
-            <a:pPr lvl="1"/>
-            <a:r>
-              <a:rPr lang="en-US" dirty="0">
-                <a:solidFill>
-                  <a:srgbClr val="0000FF"/>
-                </a:solidFill>
-              </a:rPr>
-              <a:t>Cut –f 3 </a:t>
-            </a:r>
-            <a:r>
-              <a:rPr lang="en-US" dirty="0" err="1" smtClean="0">
-                <a:solidFill>
-                  <a:srgbClr val="0000FF"/>
-                </a:solidFill>
-              </a:rPr>
-              <a:t>file.txt</a:t>
-            </a:r>
-            <a:r>
-              <a:rPr lang="en-US" dirty="0" smtClean="0">
-                <a:solidFill>
-                  <a:srgbClr val="0000FF"/>
-                </a:solidFill>
-              </a:rPr>
-              <a:t> | </a:t>
-            </a:r>
-            <a:r>
-              <a:rPr lang="en-US" dirty="0">
-                <a:solidFill>
-                  <a:srgbClr val="0000FF"/>
-                </a:solidFill>
-              </a:rPr>
-              <a:t>sort | </a:t>
-            </a:r>
-            <a:r>
-              <a:rPr lang="en-US" dirty="0" err="1">
-                <a:solidFill>
-                  <a:srgbClr val="0000FF"/>
-                </a:solidFill>
-              </a:rPr>
-              <a:t>uniq</a:t>
-            </a:r>
-            <a:r>
-              <a:rPr lang="en-US" dirty="0">
-                <a:solidFill>
-                  <a:srgbClr val="0000FF"/>
-                </a:solidFill>
-              </a:rPr>
-              <a:t> -c</a:t>
-            </a:r>
           </a:p>
           <a:p>
             <a:pPr lvl="1"/>
@@ -4298,12 +4209,20 @@
               <a:t>more </a:t>
             </a:r>
             <a:r>
+              <a:rPr lang="en-US" sz="1800" dirty="0" err="1" smtClean="0">
+                <a:solidFill>
+                  <a:srgbClr val="FF0000"/>
+                </a:solidFill>
+              </a:rPr>
+              <a:t>harismendy_data</a:t>
+            </a:r>
+            <a:r>
               <a:rPr lang="en-US" sz="1800" dirty="0" smtClean="0">
                 <a:solidFill>
                   <a:srgbClr val="FF0000"/>
                 </a:solidFill>
               </a:rPr>
-              <a:t>data/class/</a:t>
+              <a:t>/class/</a:t>
             </a:r>
             <a:r>
               <a:rPr lang="en-US" sz="1800" dirty="0" err="1" smtClean="0">
@@ -4311,7 +4230,7 @@
                   <a:srgbClr val="0000FF"/>
                 </a:solidFill>
               </a:rPr>
-              <a:t>TSG.bed</a:t>
+              <a:t>CGC.exons.bed</a:t>
             </a:r>
             <a:endParaRPr lang="en-US" sz="1800" dirty="0" smtClean="0">
               <a:solidFill>
@@ -4353,20 +4272,36 @@
               <a:t> –l </a:t>
             </a:r>
             <a:r>
+              <a:rPr lang="en-US" sz="1800" dirty="0" err="1">
+                <a:solidFill>
+                  <a:srgbClr val="FF0000"/>
+                </a:solidFill>
+              </a:rPr>
+              <a:t>harismendy_data</a:t>
+            </a:r>
+            <a:r>
               <a:rPr lang="en-US" sz="1800" dirty="0">
                 <a:solidFill>
                   <a:srgbClr val="FF0000"/>
                 </a:solidFill>
               </a:rPr>
-              <a:t>data/class/</a:t>
+              <a:t>/class/</a:t>
             </a:r>
             <a:r>
               <a:rPr lang="en-US" sz="1800" dirty="0" err="1" smtClean="0">
                 <a:solidFill>
-                  <a:srgbClr val="0000FF"/>
-                </a:solidFill>
-              </a:rPr>
-              <a:t>TSG.bed</a:t>
+                  <a:srgbClr val="FF0000"/>
+                </a:solidFill>
+              </a:rPr>
+              <a:t>CGC.exons</a:t>
+            </a:r>
+            <a:r>
+              <a:rPr lang="en-US" sz="1800" dirty="0" err="1" smtClean="0">
+                <a:solidFill>
+                  <a:srgbClr val="0000FF"/>
+                </a:solidFill>
+              </a:rPr>
+              <a:t>.bed</a:t>
             </a:r>
             <a:endParaRPr lang="en-US" sz="1800" dirty="0" smtClean="0">
               <a:solidFill>
@@ -4400,20 +4335,36 @@
               <a:t>cut –f 4 </a:t>
             </a:r>
             <a:r>
-              <a:rPr lang="en-US" sz="1800" dirty="0">
+              <a:rPr lang="en-US" sz="1800" dirty="0" err="1">
                 <a:solidFill>
                   <a:srgbClr val="FF0000"/>
                 </a:solidFill>
               </a:rPr>
-              <a:t>data/class/</a:t>
+              <a:t>harismendy_data</a:t>
+            </a:r>
+            <a:r>
+              <a:rPr lang="en-US" sz="1800" dirty="0" smtClean="0">
+                <a:solidFill>
+                  <a:srgbClr val="FF0000"/>
+                </a:solidFill>
+              </a:rPr>
+              <a:t>/class/</a:t>
             </a:r>
             <a:r>
               <a:rPr lang="en-US" sz="1800" dirty="0" err="1" smtClean="0">
                 <a:solidFill>
-                  <a:srgbClr val="0000FF"/>
-                </a:solidFill>
-              </a:rPr>
-              <a:t>TSG.bed</a:t>
+                  <a:srgbClr val="FF0000"/>
+                </a:solidFill>
+              </a:rPr>
+              <a:t>CGC.exons</a:t>
+            </a:r>
+            <a:r>
+              <a:rPr lang="en-US" sz="1800" dirty="0" err="1" smtClean="0">
+                <a:solidFill>
+                  <a:srgbClr val="0000FF"/>
+                </a:solidFill>
+              </a:rPr>
+              <a:t>.bed</a:t>
             </a:r>
             <a:r>
               <a:rPr lang="en-US" sz="1800" dirty="0" smtClean="0">
@@ -4421,15 +4372,7 @@
                   <a:srgbClr val="0000FF"/>
                 </a:solidFill>
               </a:rPr>
-              <a:t> </a:t>
-            </a:r>
-            <a:r>
-              <a:rPr lang="en-US" sz="1800" dirty="0" smtClean="0">
-                <a:solidFill>
-                  <a:srgbClr val="0000FF"/>
-                </a:solidFill>
-              </a:rPr>
-              <a:t>| sort | </a:t>
+              <a:t> | sort | </a:t>
             </a:r>
             <a:r>
               <a:rPr lang="en-US" sz="1800" dirty="0" err="1" smtClean="0">
@@ -4490,23 +4433,39 @@
               <a:t>cut –f 4 </a:t>
             </a:r>
             <a:r>
+              <a:rPr lang="en-US" sz="1800" dirty="0" err="1">
+                <a:solidFill>
+                  <a:srgbClr val="FF0000"/>
+                </a:solidFill>
+              </a:rPr>
+              <a:t>harismendy_data</a:t>
+            </a:r>
+            <a:r>
               <a:rPr lang="en-US" sz="1800" dirty="0">
                 <a:solidFill>
                   <a:srgbClr val="FF0000"/>
                 </a:solidFill>
               </a:rPr>
-              <a:t>data/class/</a:t>
-            </a:r>
-            <a:r>
-              <a:rPr lang="en-US" sz="1800" dirty="0" err="1" smtClean="0">
-                <a:solidFill>
-                  <a:srgbClr val="0000FF"/>
-                </a:solidFill>
-              </a:rPr>
-              <a:t>TSG.bed</a:t>
-            </a:r>
-            <a:r>
-              <a:rPr lang="en-US" sz="1800" dirty="0" smtClean="0">
+              <a:t>/class/</a:t>
+            </a:r>
+            <a:r>
+              <a:rPr lang="en-US" sz="1800" dirty="0" err="1">
+                <a:solidFill>
+                  <a:srgbClr val="FF0000"/>
+                </a:solidFill>
+              </a:rPr>
+              <a:t>CGC.exons</a:t>
+            </a:r>
+            <a:r>
+              <a:rPr lang="en-US" sz="1800" dirty="0" err="1">
+                <a:solidFill>
+                  <a:srgbClr val="0000FF"/>
+                </a:solidFill>
+              </a:rPr>
+              <a:t>.bed</a:t>
+            </a:r>
+            <a:r>
+              <a:rPr lang="en-US" sz="1800" dirty="0">
                 <a:solidFill>
                   <a:srgbClr val="0000FF"/>
                 </a:solidFill>
@@ -4572,20 +4531,36 @@
               <a:t> ‘{size=$3-$2; print $0,size}’ </a:t>
             </a:r>
             <a:r>
+              <a:rPr lang="en-US" sz="1800" dirty="0" err="1">
+                <a:solidFill>
+                  <a:srgbClr val="FF0000"/>
+                </a:solidFill>
+              </a:rPr>
+              <a:t>harismendy_data</a:t>
+            </a:r>
+            <a:r>
               <a:rPr lang="en-US" sz="1800" dirty="0">
                 <a:solidFill>
                   <a:srgbClr val="FF0000"/>
                 </a:solidFill>
               </a:rPr>
-              <a:t>data/class/</a:t>
+              <a:t>/class/</a:t>
             </a:r>
             <a:r>
               <a:rPr lang="en-US" sz="1800" dirty="0" err="1" smtClean="0">
                 <a:solidFill>
-                  <a:srgbClr val="0000FF"/>
-                </a:solidFill>
-              </a:rPr>
-              <a:t>TSG.bed</a:t>
+                  <a:srgbClr val="FF0000"/>
+                </a:solidFill>
+              </a:rPr>
+              <a:t>CGC.exons</a:t>
+            </a:r>
+            <a:r>
+              <a:rPr lang="en-US" sz="1800" dirty="0" err="1" smtClean="0">
+                <a:solidFill>
+                  <a:srgbClr val="0000FF"/>
+                </a:solidFill>
+              </a:rPr>
+              <a:t>.bed</a:t>
             </a:r>
             <a:r>
               <a:rPr lang="en-US" sz="1800" dirty="0" smtClean="0">
@@ -4593,15 +4568,7 @@
                   <a:srgbClr val="0000FF"/>
                 </a:solidFill>
               </a:rPr>
-              <a:t> </a:t>
-            </a:r>
-            <a:r>
-              <a:rPr lang="en-US" sz="1800" dirty="0" smtClean="0">
-                <a:solidFill>
-                  <a:srgbClr val="0000FF"/>
-                </a:solidFill>
-              </a:rPr>
-              <a:t>| sort –n –r –k 5</a:t>
+              <a:t> | sort –n –r –k 5</a:t>
             </a:r>
           </a:p>
           <a:p>
@@ -4635,7 +4602,15 @@
                   <a:srgbClr val="0000FF"/>
                 </a:solidFill>
               </a:rPr>
-              <a:t> ‘{sum+=$3-$2} END {print sum/NR}’ </a:t>
+              <a:t> ‘{sum=sum+$3-$2} END {print sum/NR}’ </a:t>
+            </a:r>
+            <a:r>
+              <a:rPr lang="en-US" sz="1800" dirty="0" err="1">
+                <a:solidFill>
+                  <a:srgbClr val="FF0000"/>
+                </a:solidFill>
+              </a:rPr>
+              <a:t>harismendy_data</a:t>
             </a:r>
             <a:r>
               <a:rPr lang="en-US" sz="1800" dirty="0">
@@ -4643,15 +4618,23 @@
                   <a:srgbClr val="FF0000"/>
                 </a:solidFill>
               </a:rPr>
-              <a:t>data/class/</a:t>
-            </a:r>
-            <a:r>
-              <a:rPr lang="en-US" sz="1800" dirty="0" err="1" smtClean="0">
-                <a:solidFill>
-                  <a:srgbClr val="0000FF"/>
-                </a:solidFill>
-              </a:rPr>
-              <a:t>TSG.bed</a:t>
+              <a:t>/class/</a:t>
+            </a:r>
+            <a:r>
+              <a:rPr lang="en-US" sz="1800" dirty="0" err="1">
+                <a:solidFill>
+                  <a:srgbClr val="FF0000"/>
+                </a:solidFill>
+              </a:rPr>
+              <a:t>CGC.exons</a:t>
+            </a:r>
+            <a:r>
+              <a:rPr lang="en-US" sz="1800" dirty="0" err="1">
+                <a:solidFill>
+                  <a:srgbClr val="0000FF"/>
+                </a:solidFill>
+              </a:rPr>
+              <a:t>.bed</a:t>
             </a:r>
             <a:endParaRPr lang="en-US" sz="1800" dirty="0">
               <a:solidFill>
@@ -4750,7 +4733,7 @@
         <p:spPr/>
         <p:txBody>
           <a:bodyPr>
-            <a:normAutofit/>
+            <a:normAutofit fontScale="92500" lnSpcReduction="10000"/>
           </a:bodyPr>
           <a:lstStyle/>
           <a:p>
@@ -4817,12 +4800,28 @@
               <a:t> </a:t>
             </a:r>
             <a:r>
-              <a:rPr lang="en-US" sz="2000" dirty="0">
+              <a:rPr lang="en-US" sz="2000" b="1" dirty="0" err="1">
                 <a:solidFill>
                   <a:srgbClr val="FF0000"/>
                 </a:solidFill>
               </a:rPr>
-              <a:t>data/class/</a:t>
+              <a:t>harismendy_data</a:t>
+            </a:r>
+            <a:r>
+              <a:rPr lang="en-US" sz="2000" b="1" dirty="0" smtClean="0">
+                <a:solidFill>
+                  <a:srgbClr val="FF0000"/>
+                </a:solidFill>
+              </a:rPr>
+              <a:t>/class</a:t>
+            </a:r>
+            <a:r>
+              <a:rPr lang="en-US" sz="2000" b="1" dirty="0">
+                <a:solidFill>
+                  <a:srgbClr val="FF0000"/>
+                </a:solidFill>
+              </a:rPr>
+              <a:t>/</a:t>
             </a:r>
             <a:r>
               <a:rPr lang="en-US" sz="2000" b="1" dirty="0" err="1" smtClean="0">
@@ -4849,16 +4848,7 @@
                 </a:solidFill>
                 <a:cs typeface="Courier"/>
               </a:rPr>
-              <a:t> </a:t>
-            </a:r>
-            <a:r>
-              <a:rPr lang="en-US" sz="2000" b="1" dirty="0" smtClean="0">
-                <a:solidFill>
-                  <a:srgbClr val="0000FF"/>
-                </a:solidFill>
-                <a:cs typeface="Courier"/>
-              </a:rPr>
-              <a:t>| more</a:t>
+              <a:t> | more</a:t>
             </a:r>
           </a:p>
           <a:p>
@@ -4909,13 +4899,7 @@
               <a:rPr lang="en-US" sz="2000" dirty="0" smtClean="0">
                 <a:cs typeface="Courier"/>
               </a:rPr>
-              <a:t>Create a output </a:t>
-            </a:r>
-            <a:r>
-              <a:rPr lang="en-US" sz="2000" dirty="0" smtClean="0">
-                <a:cs typeface="Courier"/>
-              </a:rPr>
-              <a:t>directory</a:t>
+              <a:t>Create a output directory</a:t>
             </a:r>
           </a:p>
           <a:p>
@@ -5023,12 +5007,36 @@
               <a:t> </a:t>
             </a:r>
             <a:r>
+              <a:rPr lang="en-US" sz="2000" b="1" dirty="0" err="1">
+                <a:solidFill>
+                  <a:srgbClr val="FF0000"/>
+                </a:solidFill>
+              </a:rPr>
+              <a:t>harismendy_data</a:t>
+            </a:r>
+            <a:r>
               <a:rPr lang="en-US" sz="2000" b="1" dirty="0">
                 <a:solidFill>
                   <a:srgbClr val="FF0000"/>
                 </a:solidFill>
               </a:rPr>
-              <a:t>data/class/</a:t>
+              <a:t>/class/</a:t>
+            </a:r>
+            <a:r>
+              <a:rPr lang="en-US" sz="2000" b="1" dirty="0" err="1">
+                <a:solidFill>
+                  <a:srgbClr val="FF0000"/>
+                </a:solidFill>
+              </a:rPr>
+              <a:t>CGC.exons.bed</a:t>
+            </a:r>
+            <a:r>
+              <a:rPr lang="en-US" sz="2000" b="1" dirty="0" smtClean="0">
+                <a:solidFill>
+                  <a:srgbClr val="FF0000"/>
+                </a:solidFill>
+              </a:rPr>
+              <a:t>/</a:t>
             </a:r>
             <a:r>
               <a:rPr lang="en-US" sz="2000" b="1" dirty="0" err="1" smtClean="0">
@@ -5052,6 +5060,14 @@
               <a:solidFill>
                 <a:srgbClr val="0000FF"/>
               </a:solidFill>
+              <a:cs typeface="Courier"/>
+            </a:endParaRPr>
+          </a:p>
+          <a:p>
+            <a:pPr marL="0" indent="0">
+              <a:buNone/>
+            </a:pPr>
+            <a:endParaRPr lang="en-US" sz="2000" dirty="0" smtClean="0">
               <a:cs typeface="Courier"/>
             </a:endParaRPr>
           </a:p>
@@ -5285,11 +5301,7 @@
             </a:pPr>
             <a:r>
               <a:rPr lang="en-US" sz="2400" dirty="0" smtClean="0"/>
-              <a:t>Start </a:t>
-            </a:r>
-            <a:r>
-              <a:rPr lang="en-US" sz="2400" dirty="0" smtClean="0"/>
-              <a:t>a Screen</a:t>
+              <a:t>Start a Screen</a:t>
             </a:r>
           </a:p>
           <a:p>
@@ -5329,11 +5341,7 @@
             </a:pPr>
             <a:r>
               <a:rPr lang="en-US" sz="2400" dirty="0" smtClean="0"/>
-              <a:t>Alignment </a:t>
-            </a:r>
-            <a:r>
-              <a:rPr lang="en-US" sz="2400" dirty="0" smtClean="0"/>
-              <a:t>+ convert to sorted bam</a:t>
+              <a:t>Alignment + convert to sorted bam</a:t>
             </a:r>
           </a:p>
           <a:p>
@@ -5381,12 +5389,20 @@
               <a:t> </a:t>
             </a:r>
             <a:r>
+              <a:rPr lang="en-US" sz="2400" b="1" dirty="0" err="1">
+                <a:solidFill>
+                  <a:srgbClr val="FF0000"/>
+                </a:solidFill>
+              </a:rPr>
+              <a:t>harismendy_data</a:t>
+            </a:r>
+            <a:r>
               <a:rPr lang="en-US" sz="2400" b="1" dirty="0" smtClean="0">
                 <a:solidFill>
                   <a:srgbClr val="FF0000"/>
                 </a:solidFill>
               </a:rPr>
-              <a:t>data</a:t>
+              <a:t>/</a:t>
             </a:r>
             <a:r>
               <a:rPr lang="en-US" sz="2400" b="1" dirty="0" smtClean="0">
@@ -5394,7 +5410,7 @@
                   <a:srgbClr val="FF0000"/>
                 </a:solidFill>
               </a:rPr>
-              <a:t>/resource/</a:t>
+              <a:t>resources/</a:t>
             </a:r>
             <a:r>
               <a:rPr lang="en-US" sz="2400" b="1" dirty="0">
@@ -5494,11 +5510,7 @@
             </a:pPr>
             <a:r>
               <a:rPr lang="en-US" sz="2400" dirty="0" smtClean="0"/>
-              <a:t>Sort </a:t>
-            </a:r>
-            <a:r>
-              <a:rPr lang="en-US" sz="2400" dirty="0" smtClean="0"/>
-              <a:t>and index the bam file</a:t>
+              <a:t>Sort and index the bam file</a:t>
             </a:r>
           </a:p>
           <a:p>
@@ -5802,23 +5814,23 @@
                   <a:srgbClr val="FF0000"/>
                 </a:solidFill>
               </a:rPr>
-              <a:t>sample.sorted</a:t>
-            </a:r>
-            <a:r>
-              <a:rPr lang="en-US" sz="2800" dirty="0" err="1" smtClean="0">
-                <a:solidFill>
-                  <a:srgbClr val="0000FF"/>
-                </a:solidFill>
-              </a:rPr>
-              <a:t>.bam</a:t>
+              <a:t>harismendy_data</a:t>
             </a:r>
             <a:r>
               <a:rPr lang="en-US" sz="2800" dirty="0" smtClean="0">
                 <a:solidFill>
-                  <a:srgbClr val="0000FF"/>
-                </a:solidFill>
-              </a:rPr>
-              <a:t> </a:t>
+                  <a:srgbClr val="FF0000"/>
+                </a:solidFill>
+              </a:rPr>
+              <a:t>/class/P21.sorted</a:t>
+            </a:r>
+            <a:r>
+              <a:rPr lang="en-US" sz="2800" dirty="0" smtClean="0">
+                <a:solidFill>
+                  <a:srgbClr val="0000FF"/>
+                </a:solidFill>
+              </a:rPr>
+              <a:t>.bam </a:t>
             </a:r>
             <a:r>
               <a:rPr lang="en-US" sz="2800" dirty="0">
@@ -5837,20 +5849,12 @@
               <a:t>=</a:t>
             </a:r>
             <a:r>
-              <a:rPr lang="en-US" sz="2800" dirty="0" err="1" smtClean="0">
+              <a:rPr lang="en-US" sz="2800" dirty="0" smtClean="0">
                 <a:solidFill>
                   <a:srgbClr val="FF0000"/>
                 </a:solidFill>
               </a:rPr>
-              <a:t>sample.sorted</a:t>
-            </a:r>
-            <a:r>
-              <a:rPr lang="en-US" sz="2800" dirty="0" err="1" smtClean="0">
-                <a:solidFill>
-                  <a:srgbClr val="0000FF"/>
-                </a:solidFill>
-              </a:rPr>
-              <a:t>.rmdup.bam</a:t>
+              <a:t>P21.sorted.rmdup</a:t>
             </a:r>
             <a:r>
               <a:rPr lang="en-US" sz="2800" dirty="0" smtClean="0">
@@ -5858,7 +5862,7 @@
                   <a:srgbClr val="0000FF"/>
                 </a:solidFill>
               </a:rPr>
-              <a:t> </a:t>
+              <a:t>.bam </a:t>
             </a:r>
             <a:r>
               <a:rPr lang="en-US" sz="2800" dirty="0">
@@ -5871,10 +5875,18 @@
             <a:r>
               <a:rPr lang="en-US" sz="2800" dirty="0" err="1">
                 <a:solidFill>
-                  <a:srgbClr val="0000FF"/>
-                </a:solidFill>
-              </a:rPr>
-              <a:t>myrmdupMetrics.txt</a:t>
+                  <a:srgbClr val="FF0000"/>
+                </a:solidFill>
+              </a:rPr>
+              <a:t>myrmdupMetric</a:t>
+            </a:r>
+            <a:r>
+              <a:rPr lang="en-US" sz="2800" dirty="0" err="1">
+                <a:solidFill>
+                  <a:srgbClr val="0000FF"/>
+                </a:solidFill>
+              </a:rPr>
+              <a:t>s.txt</a:t>
             </a:r>
             <a:r>
               <a:rPr lang="en-US" sz="2800" dirty="0">
@@ -5960,7 +5972,7 @@
         <p:spPr/>
         <p:txBody>
           <a:bodyPr>
-            <a:normAutofit lnSpcReduction="10000"/>
+            <a:normAutofit fontScale="92500" lnSpcReduction="10000"/>
           </a:bodyPr>
           <a:lstStyle/>
           <a:p>
@@ -6021,20 +6033,28 @@
               <a:t> </a:t>
             </a:r>
             <a:r>
-              <a:rPr lang="en-US" sz="2000" b="1" dirty="0" err="1">
+              <a:rPr lang="en-US" sz="2000" b="1" dirty="0" err="1" smtClean="0">
                 <a:solidFill>
                   <a:srgbClr val="FF0000"/>
                 </a:solidFill>
               </a:rPr>
-              <a:t>sample</a:t>
-            </a:r>
-            <a:r>
-              <a:rPr lang="en-US" sz="2000" b="1" dirty="0" err="1">
-                <a:solidFill>
-                  <a:srgbClr val="0000FF"/>
-                </a:solidFill>
-              </a:rPr>
-              <a:t>.sorted.bam</a:t>
+              <a:t>harismendy_data</a:t>
+            </a:r>
+            <a:r>
+              <a:rPr lang="en-US" sz="2000" b="1" dirty="0" smtClean="0">
+                <a:solidFill>
+                  <a:srgbClr val="FF0000"/>
+                </a:solidFill>
+              </a:rPr>
+              <a:t>/class/P21</a:t>
+            </a:r>
+            <a:r>
+              <a:rPr lang="en-US" sz="2000" b="1" dirty="0" smtClean="0">
+                <a:solidFill>
+                  <a:srgbClr val="0000FF"/>
+                </a:solidFill>
+              </a:rPr>
+              <a:t>.sorted.bam </a:t>
             </a:r>
             <a:r>
               <a:rPr lang="en-US" sz="2000" b="1" dirty="0">
@@ -6042,18 +6062,18 @@
                   <a:srgbClr val="0000FF"/>
                 </a:solidFill>
               </a:rPr>
-              <a:t> &gt; </a:t>
-            </a:r>
-            <a:r>
-              <a:rPr lang="en-US" sz="2000" b="1" dirty="0" err="1">
+              <a:t>&gt; </a:t>
+            </a:r>
+            <a:r>
+              <a:rPr lang="en-US" sz="2000" b="1" dirty="0" smtClean="0">
                 <a:solidFill>
                   <a:srgbClr val="FF0000"/>
                 </a:solidFill>
               </a:rPr>
-              <a:t>sample</a:t>
-            </a:r>
-            <a:r>
-              <a:rPr lang="en-US" sz="2000" b="1" dirty="0" err="1">
+              <a:t>P21</a:t>
+            </a:r>
+            <a:r>
+              <a:rPr lang="en-US" sz="2000" b="1" dirty="0" smtClean="0">
                 <a:solidFill>
                   <a:srgbClr val="0000FF"/>
                 </a:solidFill>
@@ -6115,15 +6135,15 @@
                   <a:srgbClr val="FF0000"/>
                 </a:solidFill>
               </a:rPr>
-              <a:t>sample</a:t>
-            </a:r>
-            <a:r>
-              <a:rPr lang="en-US" sz="2000" b="1" dirty="0" err="1">
-                <a:solidFill>
-                  <a:srgbClr val="0000FF"/>
-                </a:solidFill>
-              </a:rPr>
-              <a:t>.sorted.bam</a:t>
+              <a:t>harismendy_data</a:t>
+            </a:r>
+            <a:r>
+              <a:rPr lang="en-US" sz="2000" b="1" dirty="0" smtClean="0">
+                <a:solidFill>
+                  <a:srgbClr val="FF0000"/>
+                </a:solidFill>
+              </a:rPr>
+              <a:t>/class/P21</a:t>
             </a:r>
             <a:r>
               <a:rPr lang="en-US" sz="2000" b="1" dirty="0">
@@ -6131,7 +6151,7 @@
                   <a:srgbClr val="0000FF"/>
                 </a:solidFill>
               </a:rPr>
-              <a:t> | </a:t>
+              <a:t>.sorted.bam | </a:t>
             </a:r>
             <a:r>
               <a:rPr lang="en-US" sz="2000" b="1" dirty="0" err="1">
@@ -6229,34 +6249,58 @@
             <a:r>
               <a:rPr lang="en-US" sz="2000" b="1" dirty="0" err="1">
                 <a:solidFill>
+                  <a:srgbClr val="FF0000"/>
+                </a:solidFill>
+              </a:rPr>
+              <a:t>harismendy_data</a:t>
+            </a:r>
+            <a:r>
+              <a:rPr lang="en-US" sz="2000" b="1" dirty="0">
+                <a:solidFill>
+                  <a:srgbClr val="FF0000"/>
+                </a:solidFill>
+              </a:rPr>
+              <a:t>/</a:t>
+            </a:r>
+            <a:r>
+              <a:rPr lang="en-US" sz="2000" b="1" dirty="0" smtClean="0">
+                <a:solidFill>
+                  <a:srgbClr val="FF0000"/>
+                </a:solidFill>
+              </a:rPr>
+              <a:t>class/</a:t>
+            </a:r>
+            <a:r>
+              <a:rPr lang="en-US" sz="2000" b="1" dirty="0" err="1" smtClean="0">
+                <a:solidFill>
                   <a:srgbClr val="0000FF"/>
                 </a:solidFill>
               </a:rPr>
               <a:t>TSG.bed</a:t>
             </a:r>
             <a:r>
+              <a:rPr lang="en-US" sz="2000" b="1" dirty="0" smtClean="0">
+                <a:solidFill>
+                  <a:srgbClr val="0000FF"/>
+                </a:solidFill>
+              </a:rPr>
+              <a:t> </a:t>
+            </a:r>
+            <a:r>
+              <a:rPr lang="en-US" sz="2000" b="1" dirty="0" err="1">
+                <a:solidFill>
+                  <a:srgbClr val="FF0000"/>
+                </a:solidFill>
+              </a:rPr>
+              <a:t>harismendy_data</a:t>
+            </a:r>
+            <a:r>
               <a:rPr lang="en-US" sz="2000" b="1" dirty="0">
                 <a:solidFill>
-                  <a:srgbClr val="0000FF"/>
-                </a:solidFill>
-              </a:rPr>
-              <a:t> </a:t>
-            </a:r>
-            <a:r>
-              <a:rPr lang="en-US" sz="2000" b="1" dirty="0" err="1">
-                <a:solidFill>
                   <a:srgbClr val="FF0000"/>
                 </a:solidFill>
               </a:rPr>
-              <a:t>sample</a:t>
-            </a:r>
-            <a:r>
-              <a:rPr lang="en-US" sz="2000" b="1" dirty="0" err="1">
-                <a:solidFill>
-                  <a:srgbClr val="0000FF"/>
-                </a:solidFill>
-              </a:rPr>
-              <a:t>.sorted.bam</a:t>
+              <a:t>/P21</a:t>
             </a:r>
             <a:r>
               <a:rPr lang="en-US" sz="2000" b="1" dirty="0">
@@ -6264,18 +6308,18 @@
                   <a:srgbClr val="0000FF"/>
                 </a:solidFill>
               </a:rPr>
-              <a:t> &gt; </a:t>
-            </a:r>
-            <a:r>
-              <a:rPr lang="en-US" sz="2000" b="1" dirty="0" err="1">
+              <a:t>.sorted.bam &gt; </a:t>
+            </a:r>
+            <a:r>
+              <a:rPr lang="en-US" sz="2000" b="1" dirty="0" smtClean="0">
                 <a:solidFill>
                   <a:srgbClr val="FF0000"/>
                 </a:solidFill>
               </a:rPr>
-              <a:t>sample</a:t>
-            </a:r>
-            <a:r>
-              <a:rPr lang="en-US" sz="2000" b="1" dirty="0" err="1">
+              <a:t>P21</a:t>
+            </a:r>
+            <a:r>
+              <a:rPr lang="en-US" sz="2000" b="1" dirty="0" smtClean="0">
                 <a:solidFill>
                   <a:srgbClr val="0000FF"/>
                 </a:solidFill>
@@ -6344,26 +6388,50 @@
             <a:r>
               <a:rPr lang="en-US" sz="2000" b="1" dirty="0" err="1">
                 <a:solidFill>
-                  <a:srgbClr val="0000FF"/>
-                </a:solidFill>
-              </a:rPr>
-              <a:t>samtools.sorted.bam</a:t>
+                  <a:srgbClr val="FF0000"/>
+                </a:solidFill>
+              </a:rPr>
+              <a:t>harismendy_data</a:t>
             </a:r>
             <a:r>
               <a:rPr lang="en-US" sz="2000" b="1" dirty="0">
                 <a:solidFill>
-                  <a:srgbClr val="0000FF"/>
-                </a:solidFill>
-              </a:rPr>
-              <a:t> chr1:120454175-120612317 &gt; </a:t>
+                  <a:srgbClr val="FF0000"/>
+                </a:solidFill>
+              </a:rPr>
+              <a:t>/P21</a:t>
             </a:r>
             <a:r>
               <a:rPr lang="en-US" sz="2000" b="1" dirty="0">
                 <a:solidFill>
+                  <a:srgbClr val="0000FF"/>
+                </a:solidFill>
+              </a:rPr>
+              <a:t>.</a:t>
+            </a:r>
+            <a:r>
+              <a:rPr lang="en-US" sz="2000" b="1" dirty="0" smtClean="0">
+                <a:solidFill>
+                  <a:srgbClr val="0000FF"/>
+                </a:solidFill>
+              </a:rPr>
+              <a:t>sorted.bam chr1</a:t>
+            </a:r>
+            <a:r>
+              <a:rPr lang="en-US" sz="2000" b="1" dirty="0">
+                <a:solidFill>
+                  <a:srgbClr val="0000FF"/>
+                </a:solidFill>
+              </a:rPr>
+              <a:t>:120454175-120612317 &gt; </a:t>
+            </a:r>
+            <a:r>
+              <a:rPr lang="en-US" sz="2000" b="1" dirty="0" smtClean="0">
+                <a:solidFill>
                   <a:srgbClr val="FF0000"/>
                 </a:solidFill>
               </a:rPr>
-              <a:t>sample.NOTCH2</a:t>
+              <a:t>P21.NOTCH2</a:t>
             </a:r>
             <a:r>
               <a:rPr lang="en-US" sz="2000" b="1" dirty="0">
@@ -6583,7 +6651,7 @@
         </p:spPr>
         <p:txBody>
           <a:bodyPr>
-            <a:normAutofit fontScale="85000" lnSpcReduction="10000"/>
+            <a:normAutofit lnSpcReduction="10000"/>
           </a:bodyPr>
           <a:lstStyle/>
           <a:p>
@@ -6686,15 +6754,7 @@
             </a:pPr>
             <a:r>
               <a:rPr lang="en-US" sz="2000" dirty="0" smtClean="0"/>
-              <a:t>Calculate coverage depth over TSG genes (</a:t>
-            </a:r>
-            <a:r>
-              <a:rPr lang="en-US" sz="2000" dirty="0" err="1" smtClean="0"/>
-              <a:t>introns+exons</a:t>
-            </a:r>
-            <a:r>
-              <a:rPr lang="en-US" sz="2000" dirty="0" smtClean="0"/>
-              <a:t>)</a:t>
+              <a:t>Calculate coverage depth over CGC genes (chr1 only)</a:t>
             </a:r>
           </a:p>
           <a:p>
@@ -6706,7 +6766,7 @@
               <a:t>	</a:t>
             </a:r>
             <a:r>
-              <a:rPr lang="en-US" sz="2000" b="1" dirty="0" err="1" smtClean="0">
+              <a:rPr lang="en-US" sz="2000" dirty="0" err="1">
                 <a:solidFill>
                   <a:srgbClr val="0000FF"/>
                 </a:solidFill>
@@ -6714,7 +6774,7 @@
               <a:t>bedtools</a:t>
             </a:r>
             <a:r>
-              <a:rPr lang="en-US" sz="2000" b="1" dirty="0" smtClean="0">
+              <a:rPr lang="en-US" sz="2000" dirty="0">
                 <a:solidFill>
                   <a:srgbClr val="0000FF"/>
                 </a:solidFill>
@@ -6722,7 +6782,7 @@
               <a:t> coverage -</a:t>
             </a:r>
             <a:r>
-              <a:rPr lang="en-US" sz="2000" b="1" dirty="0" err="1" smtClean="0">
+              <a:rPr lang="en-US" sz="2000" dirty="0" err="1">
                 <a:solidFill>
                   <a:srgbClr val="0000FF"/>
                 </a:solidFill>
@@ -6730,7 +6790,7 @@
               <a:t>hist</a:t>
             </a:r>
             <a:r>
-              <a:rPr lang="en-US" sz="2000" b="1" dirty="0" smtClean="0">
+              <a:rPr lang="en-US" sz="2000" dirty="0">
                 <a:solidFill>
                   <a:srgbClr val="0000FF"/>
                 </a:solidFill>
@@ -6738,7 +6798,7 @@
               <a:t> -</a:t>
             </a:r>
             <a:r>
-              <a:rPr lang="en-US" sz="2000" b="1" dirty="0" err="1" smtClean="0">
+              <a:rPr lang="en-US" sz="2000" dirty="0" err="1">
                 <a:solidFill>
                   <a:srgbClr val="0000FF"/>
                 </a:solidFill>
@@ -6746,7 +6806,7 @@
               <a:t>abam</a:t>
             </a:r>
             <a:r>
-              <a:rPr lang="en-US" sz="2000" b="1" dirty="0" smtClean="0">
+              <a:rPr lang="en-US" sz="2000" dirty="0">
                 <a:solidFill>
                   <a:srgbClr val="0000FF"/>
                 </a:solidFill>
@@ -6754,239 +6814,70 @@
               <a:t> </a:t>
             </a:r>
             <a:r>
-              <a:rPr lang="en-US" sz="2000" b="1" dirty="0" err="1" smtClean="0">
+              <a:rPr lang="en-US" sz="2000" dirty="0" err="1">
                 <a:solidFill>
                   <a:srgbClr val="FF0000"/>
                 </a:solidFill>
               </a:rPr>
-              <a:t>sample.sorted</a:t>
-            </a:r>
-            <a:r>
-              <a:rPr lang="en-US" sz="2000" b="1" dirty="0" err="1" smtClean="0">
-                <a:solidFill>
-                  <a:srgbClr val="0000FF"/>
-                </a:solidFill>
-              </a:rPr>
-              <a:t>.bam</a:t>
-            </a:r>
-            <a:r>
-              <a:rPr lang="en-US" sz="2000" b="1" dirty="0" smtClean="0">
-                <a:solidFill>
-                  <a:srgbClr val="0000FF"/>
-                </a:solidFill>
-              </a:rPr>
-              <a:t> –b </a:t>
-            </a:r>
-            <a:r>
-              <a:rPr lang="en-US" sz="2000" b="1" dirty="0" err="1">
-                <a:solidFill>
-                  <a:srgbClr val="0000FF"/>
-                </a:solidFill>
-              </a:rPr>
-              <a:t>TSG.bed</a:t>
-            </a:r>
-            <a:r>
-              <a:rPr lang="en-US" sz="2000" b="1" dirty="0">
-                <a:solidFill>
-                  <a:srgbClr val="0000FF"/>
-                </a:solidFill>
-              </a:rPr>
-              <a:t> &gt; </a:t>
-            </a:r>
-            <a:r>
-              <a:rPr lang="en-US" sz="2000" b="1" dirty="0" err="1" smtClean="0">
+              <a:t>harismendy_data</a:t>
+            </a:r>
+            <a:r>
+              <a:rPr lang="en-US" sz="2000" dirty="0">
                 <a:solidFill>
                   <a:srgbClr val="FF0000"/>
                 </a:solidFill>
               </a:rPr>
-              <a:t>sample.</a:t>
-            </a:r>
-            <a:r>
-              <a:rPr lang="en-US" sz="2000" b="1" dirty="0" err="1" smtClean="0">
-                <a:solidFill>
-                  <a:srgbClr val="0000FF"/>
-                </a:solidFill>
-              </a:rPr>
-              <a:t>coverage.hist.TSG.txt</a:t>
-            </a:r>
-            <a:endParaRPr lang="en-US" sz="2000" b="1" dirty="0" smtClean="0">
-              <a:solidFill>
-                <a:srgbClr val="0000FF"/>
-              </a:solidFill>
-            </a:endParaRPr>
-          </a:p>
-          <a:p>
-            <a:pPr marL="0" indent="0">
-              <a:buNone/>
-            </a:pPr>
+              <a:t>/class/AA2253B_groupRealigned.chr1</a:t>
+            </a:r>
+            <a:r>
+              <a:rPr lang="en-US" sz="2000" dirty="0">
+                <a:solidFill>
+                  <a:srgbClr val="0000FF"/>
+                </a:solidFill>
+              </a:rPr>
+              <a:t>.bam -b </a:t>
+            </a:r>
+            <a:r>
+              <a:rPr lang="en-US" sz="2000" dirty="0" err="1">
+                <a:solidFill>
+                  <a:srgbClr val="FF0000"/>
+                </a:solidFill>
+              </a:rPr>
+              <a:t>harismendy_data</a:t>
+            </a:r>
+            <a:r>
+              <a:rPr lang="en-US" sz="2000" dirty="0">
+                <a:solidFill>
+                  <a:srgbClr val="FF0000"/>
+                </a:solidFill>
+              </a:rPr>
+              <a:t>/class/</a:t>
+            </a:r>
+            <a:r>
+              <a:rPr lang="en-US" sz="2000" dirty="0">
+                <a:solidFill>
+                  <a:srgbClr val="0000FF"/>
+                </a:solidFill>
+              </a:rPr>
+              <a:t>CGC.exons.chr1.bed &gt; </a:t>
+            </a:r>
+            <a:r>
+              <a:rPr lang="en-US" sz="2000" dirty="0">
+                <a:solidFill>
+                  <a:srgbClr val="FF0000"/>
+                </a:solidFill>
+              </a:rPr>
+              <a:t>AA2253B.CGC.hist.cov.</a:t>
+            </a:r>
+            <a:r>
+              <a:rPr lang="en-US" sz="2000" dirty="0">
+                <a:solidFill>
+                  <a:srgbClr val="0000FF"/>
+                </a:solidFill>
+              </a:rPr>
+              <a:t>txt</a:t>
+            </a:r>
             <a:endParaRPr lang="en-US" sz="2000" b="1" dirty="0">
-              <a:solidFill>
-                <a:srgbClr val="0000FF"/>
-              </a:solidFill>
-            </a:endParaRPr>
-          </a:p>
-          <a:p>
-            <a:pPr marL="0" indent="0">
-              <a:buNone/>
-            </a:pPr>
-            <a:r>
-              <a:rPr lang="en-US" sz="2000" dirty="0"/>
-              <a:t>Calculate </a:t>
-            </a:r>
-            <a:r>
-              <a:rPr lang="en-US" sz="2000" dirty="0" smtClean="0"/>
-              <a:t>coverage depth for each interval (including uncovered)</a:t>
-            </a:r>
-          </a:p>
-          <a:p>
-            <a:pPr marL="0" indent="0">
-              <a:buNone/>
-            </a:pPr>
-            <a:r>
-              <a:rPr lang="en-US" sz="2000" dirty="0"/>
-              <a:t> </a:t>
-            </a:r>
-            <a:r>
-              <a:rPr lang="en-US" sz="2000" dirty="0" smtClean="0"/>
-              <a:t>	</a:t>
-            </a:r>
-            <a:r>
-              <a:rPr lang="en-US" sz="2000" b="1" dirty="0" err="1" smtClean="0">
-                <a:solidFill>
-                  <a:srgbClr val="0000FF"/>
-                </a:solidFill>
-              </a:rPr>
-              <a:t>bedtools</a:t>
-            </a:r>
-            <a:r>
-              <a:rPr lang="en-US" sz="2000" b="1" dirty="0" smtClean="0">
-                <a:solidFill>
-                  <a:srgbClr val="0000FF"/>
-                </a:solidFill>
-              </a:rPr>
-              <a:t> </a:t>
-            </a:r>
-            <a:r>
-              <a:rPr lang="en-US" sz="2000" b="1" dirty="0" err="1" smtClean="0">
-                <a:solidFill>
-                  <a:srgbClr val="0000FF"/>
-                </a:solidFill>
-              </a:rPr>
-              <a:t>genomecov</a:t>
-            </a:r>
-            <a:r>
-              <a:rPr lang="en-US" sz="2000" b="1" dirty="0">
-                <a:solidFill>
-                  <a:srgbClr val="0000FF"/>
-                </a:solidFill>
-              </a:rPr>
-              <a:t> </a:t>
-            </a:r>
-            <a:r>
-              <a:rPr lang="de-DE" sz="2000" b="1" dirty="0">
-                <a:solidFill>
-                  <a:srgbClr val="0000FF"/>
-                </a:solidFill>
-              </a:rPr>
-              <a:t>–</a:t>
-            </a:r>
-            <a:r>
-              <a:rPr lang="de-DE" sz="2000" b="1" dirty="0" err="1" smtClean="0">
-                <a:solidFill>
-                  <a:srgbClr val="0000FF"/>
-                </a:solidFill>
-              </a:rPr>
-              <a:t>bga</a:t>
-            </a:r>
-            <a:r>
-              <a:rPr lang="de-DE" sz="2000" b="1" dirty="0" smtClean="0">
-                <a:solidFill>
-                  <a:srgbClr val="0000FF"/>
-                </a:solidFill>
-              </a:rPr>
-              <a:t> </a:t>
-            </a:r>
-            <a:r>
-              <a:rPr lang="en-US" sz="2000" b="1" dirty="0" smtClean="0">
-                <a:solidFill>
-                  <a:srgbClr val="0000FF"/>
-                </a:solidFill>
-              </a:rPr>
-              <a:t>-</a:t>
-            </a:r>
-            <a:r>
-              <a:rPr lang="en-US" sz="2000" b="1" dirty="0" err="1">
-                <a:solidFill>
-                  <a:srgbClr val="0000FF"/>
-                </a:solidFill>
-              </a:rPr>
-              <a:t>ibam</a:t>
-            </a:r>
-            <a:r>
-              <a:rPr lang="en-US" sz="2000" b="1" dirty="0">
-                <a:solidFill>
-                  <a:srgbClr val="0000FF"/>
-                </a:solidFill>
-              </a:rPr>
-              <a:t> </a:t>
-            </a:r>
-            <a:r>
-              <a:rPr lang="en-US" sz="2000" b="1" dirty="0" err="1" smtClean="0">
-                <a:solidFill>
-                  <a:srgbClr val="FF0000"/>
-                </a:solidFill>
-              </a:rPr>
-              <a:t>sample.sorted</a:t>
-            </a:r>
-            <a:r>
-              <a:rPr lang="en-US" sz="2000" b="1" dirty="0" err="1" smtClean="0">
-                <a:solidFill>
-                  <a:srgbClr val="0000FF"/>
-                </a:solidFill>
-              </a:rPr>
-              <a:t>.bam</a:t>
-            </a:r>
-            <a:r>
-              <a:rPr lang="en-US" sz="2000" b="1" dirty="0">
-                <a:solidFill>
-                  <a:srgbClr val="0000FF"/>
-                </a:solidFill>
-              </a:rPr>
-              <a:t> </a:t>
-            </a:r>
-            <a:r>
-              <a:rPr lang="en-US" sz="2000" b="1" dirty="0" smtClean="0">
-                <a:solidFill>
-                  <a:srgbClr val="0000FF"/>
-                </a:solidFill>
-              </a:rPr>
-              <a:t>&gt; </a:t>
-            </a:r>
-            <a:r>
-              <a:rPr lang="en-US" sz="2000" b="1" dirty="0" err="1" smtClean="0">
-                <a:solidFill>
-                  <a:srgbClr val="0000FF"/>
-                </a:solidFill>
-              </a:rPr>
-              <a:t>all.coverage</a:t>
-            </a:r>
-            <a:r>
-              <a:rPr lang="da-DK" sz="2000" b="1" dirty="0" smtClean="0">
-                <a:solidFill>
-                  <a:srgbClr val="0000FF"/>
-                </a:solidFill>
-              </a:rPr>
-              <a:t>.</a:t>
-            </a:r>
-            <a:r>
-              <a:rPr lang="da-DK" sz="2000" b="1" dirty="0" err="1" smtClean="0">
-                <a:solidFill>
-                  <a:srgbClr val="0000FF"/>
-                </a:solidFill>
-              </a:rPr>
-              <a:t>bedgraph</a:t>
-            </a:r>
-            <a:endParaRPr lang="da-DK" sz="2000" b="1" dirty="0" smtClean="0">
               <a:solidFill>
                 <a:srgbClr val="0000FF"/>
               </a:solidFill>
@@ -7007,20 +6898,16 @@
               <a:buNone/>
             </a:pPr>
             <a:r>
+              <a:rPr lang="en-US" sz="2000" dirty="0" smtClean="0"/>
+              <a:t>Fraction of CGC bp covered </a:t>
+            </a:r>
+            <a:r>
               <a:rPr lang="en-US" sz="2000" dirty="0"/>
-              <a:t>How many </a:t>
+              <a:t>at </a:t>
             </a:r>
             <a:r>
               <a:rPr lang="en-US" sz="2000" dirty="0" smtClean="0"/>
-              <a:t>bp are </a:t>
-            </a:r>
-            <a:r>
-              <a:rPr lang="en-US" sz="2000" dirty="0"/>
-              <a:t>covered at &gt;</a:t>
-            </a:r>
-            <a:r>
-              <a:rPr lang="en-US" sz="2000" dirty="0" smtClean="0"/>
-              <a:t>20x ?</a:t>
+              <a:t>&gt;30x ?</a:t>
             </a:r>
             <a:endParaRPr lang="da-DK" sz="2000" b="1" dirty="0">
               <a:solidFill>
@@ -7041,7 +6928,63 @@
               <a:t>   </a:t>
             </a:r>
             <a:r>
-              <a:rPr lang="en-US" sz="2000" b="1" dirty="0" err="1" smtClean="0">
+              <a:rPr lang="it-IT" sz="2000" dirty="0" err="1">
+                <a:solidFill>
+                  <a:srgbClr val="0000FF"/>
+                </a:solidFill>
+              </a:rPr>
+              <a:t>grep</a:t>
+            </a:r>
+            <a:r>
+              <a:rPr lang="it-IT" sz="2000" dirty="0">
+                <a:solidFill>
+                  <a:srgbClr val="0000FF"/>
+                </a:solidFill>
+              </a:rPr>
+              <a:t> </a:t>
+            </a:r>
+            <a:r>
+              <a:rPr lang="it-IT" sz="2000" dirty="0" smtClean="0">
+                <a:solidFill>
+                  <a:srgbClr val="0000FF"/>
+                </a:solidFill>
+              </a:rPr>
+              <a:t>’^all</a:t>
+            </a:r>
+            <a:r>
+              <a:rPr lang="it-IT" sz="2000" dirty="0">
+                <a:solidFill>
+                  <a:srgbClr val="0000FF"/>
+                </a:solidFill>
+              </a:rPr>
+              <a:t>' </a:t>
+            </a:r>
+            <a:r>
+              <a:rPr lang="en-US" sz="2000" dirty="0">
+                <a:solidFill>
+                  <a:srgbClr val="FF0000"/>
+                </a:solidFill>
+              </a:rPr>
+              <a:t>AA2253B.CGC.hist.cov.</a:t>
+            </a:r>
+            <a:r>
+              <a:rPr lang="en-US" sz="2000" dirty="0">
+                <a:solidFill>
+                  <a:srgbClr val="0000FF"/>
+                </a:solidFill>
+              </a:rPr>
+              <a:t>txt</a:t>
+            </a:r>
+            <a:r>
+              <a:rPr lang="it-IT" sz="2000" dirty="0" smtClean="0">
+                <a:solidFill>
+                  <a:srgbClr val="0000FF"/>
+                </a:solidFill>
+              </a:rPr>
+              <a:t>| </a:t>
+            </a:r>
+            <a:r>
+              <a:rPr lang="it-IT" sz="2000" dirty="0" err="1">
                 <a:solidFill>
                   <a:srgbClr val="0000FF"/>
                 </a:solidFill>
@@ -7049,39 +6992,15 @@
               <a:t>awk</a:t>
             </a:r>
             <a:r>
-              <a:rPr lang="en-US" sz="2000" b="1" dirty="0" smtClean="0">
-                <a:solidFill>
-                  <a:srgbClr val="0000FF"/>
-                </a:solidFill>
-              </a:rPr>
-              <a:t> ‘$4&gt;20’ </a:t>
-            </a:r>
-            <a:r>
-              <a:rPr lang="da-DK" sz="2000" b="1" dirty="0" err="1" smtClean="0">
-                <a:solidFill>
-                  <a:srgbClr val="0000FF"/>
-                </a:solidFill>
-              </a:rPr>
-              <a:t>all.coverage.bedgraph</a:t>
-            </a:r>
-            <a:r>
-              <a:rPr lang="da-DK" sz="2000" b="1" dirty="0" smtClean="0">
-                <a:solidFill>
-                  <a:srgbClr val="0000FF"/>
-                </a:solidFill>
-              </a:rPr>
-              <a:t> </a:t>
-            </a:r>
-            <a:r>
-              <a:rPr lang="en-US" sz="2000" b="1" dirty="0" smtClean="0">
-                <a:solidFill>
-                  <a:srgbClr val="0000FF"/>
-                </a:solidFill>
-              </a:rPr>
-              <a:t>| </a:t>
-            </a:r>
-            <a:r>
-              <a:rPr lang="en-US" sz="2000" b="1" dirty="0" err="1" smtClean="0">
+              <a:rPr lang="it-IT" sz="2000" dirty="0">
+                <a:solidFill>
+                  <a:srgbClr val="0000FF"/>
+                </a:solidFill>
+              </a:rPr>
+              <a:t> '$2&gt;30' | </a:t>
+            </a:r>
+            <a:r>
+              <a:rPr lang="it-IT" sz="2000" dirty="0" err="1">
                 <a:solidFill>
                   <a:srgbClr val="0000FF"/>
                 </a:solidFill>
@@ -7089,12 +7008,28 @@
               <a:t>awk</a:t>
             </a:r>
             <a:r>
-              <a:rPr lang="en-US" sz="2000" b="1" dirty="0" smtClean="0">
-                <a:solidFill>
-                  <a:srgbClr val="0000FF"/>
-                </a:solidFill>
-              </a:rPr>
-              <a:t> ‘{sum+=$3-$2} END {print sum}’</a:t>
+              <a:rPr lang="it-IT" sz="2000" dirty="0">
+                <a:solidFill>
+                  <a:srgbClr val="0000FF"/>
+                </a:solidFill>
+              </a:rPr>
+              <a:t> '{sum=sum+$5} END {</a:t>
+            </a:r>
+            <a:r>
+              <a:rPr lang="it-IT" sz="2000" dirty="0" err="1">
+                <a:solidFill>
+                  <a:srgbClr val="0000FF"/>
+                </a:solidFill>
+              </a:rPr>
+              <a:t>print</a:t>
+            </a:r>
+            <a:r>
+              <a:rPr lang="it-IT" sz="2000" dirty="0">
+                <a:solidFill>
+                  <a:srgbClr val="0000FF"/>
+                </a:solidFill>
+              </a:rPr>
+              <a:t> sum}'</a:t>
             </a:r>
             <a:endParaRPr lang="da-DK" sz="2000" b="1" dirty="0" err="1" smtClean="0">
               <a:solidFill>
